--- a/trunk/De Cuong/bao cao luan van/slide 0.4.pptx
+++ b/trunk/De Cuong/bao cao luan van/slide 0.4.pptx
@@ -571,7 +571,7 @@
             <a:fld id="{29E6FFFA-F13A-4C0F-A707-C1F94A1398F3}" type="slidenum">
               <a:rPr lang="en-US" smtClean="0"/>
               <a:pPr/>
-              <a:t>6</a:t>
+              <a:t>3</a:t>
             </a:fld>
             <a:endParaRPr lang="en-US"/>
           </a:p>
@@ -653,7 +653,7 @@
             <a:fld id="{29E6FFFA-F13A-4C0F-A707-C1F94A1398F3}" type="slidenum">
               <a:rPr lang="en-US" smtClean="0"/>
               <a:pPr/>
-              <a:t>8</a:t>
+              <a:t>6</a:t>
             </a:fld>
             <a:endParaRPr lang="en-US"/>
           </a:p>
@@ -735,6 +735,88 @@
             <a:fld id="{29E6FFFA-F13A-4C0F-A707-C1F94A1398F3}" type="slidenum">
               <a:rPr lang="en-US" smtClean="0"/>
               <a:pPr/>
+              <a:t>8</a:t>
+            </a:fld>
+            <a:endParaRPr lang="en-US"/>
+          </a:p>
+        </p:txBody>
+      </p:sp>
+    </p:spTree>
+  </p:cSld>
+  <p:clrMapOvr>
+    <a:masterClrMapping/>
+  </p:clrMapOvr>
+</p:notes>
+</file>
+
+<file path=ppt/notesSlides/notesSlide4.xml><?xml version="1.0" encoding="utf-8"?>
+<p:notes xmlns:a="http://schemas.openxmlformats.org/drawingml/2006/main" xmlns:r="http://schemas.openxmlformats.org/officeDocument/2006/relationships" xmlns:p="http://schemas.openxmlformats.org/presentationml/2006/main">
+  <p:cSld>
+    <p:spTree>
+      <p:nvGrpSpPr>
+        <p:cNvPr id="1" name=""/>
+        <p:cNvGrpSpPr/>
+        <p:nvPr/>
+      </p:nvGrpSpPr>
+      <p:grpSpPr>
+        <a:xfrm>
+          <a:off x="0" y="0"/>
+          <a:ext cx="0" cy="0"/>
+          <a:chOff x="0" y="0"/>
+          <a:chExt cx="0" cy="0"/>
+        </a:xfrm>
+      </p:grpSpPr>
+      <p:sp>
+        <p:nvSpPr>
+          <p:cNvPr id="2" name="Slide Image Placeholder 1"/>
+          <p:cNvSpPr>
+            <a:spLocks noGrp="1" noRot="1" noChangeAspect="1"/>
+          </p:cNvSpPr>
+          <p:nvPr>
+            <p:ph type="sldImg"/>
+          </p:nvPr>
+        </p:nvSpPr>
+        <p:spPr/>
+      </p:sp>
+      <p:sp>
+        <p:nvSpPr>
+          <p:cNvPr id="3" name="Notes Placeholder 2"/>
+          <p:cNvSpPr>
+            <a:spLocks noGrp="1"/>
+          </p:cNvSpPr>
+          <p:nvPr>
+            <p:ph type="body" idx="1"/>
+          </p:nvPr>
+        </p:nvSpPr>
+        <p:spPr/>
+        <p:txBody>
+          <a:bodyPr>
+            <a:normAutofit/>
+          </a:bodyPr>
+          <a:lstStyle/>
+          <a:p>
+            <a:endParaRPr lang="en-US" dirty="0"/>
+          </a:p>
+        </p:txBody>
+      </p:sp>
+      <p:sp>
+        <p:nvSpPr>
+          <p:cNvPr id="4" name="Slide Number Placeholder 3"/>
+          <p:cNvSpPr>
+            <a:spLocks noGrp="1"/>
+          </p:cNvSpPr>
+          <p:nvPr>
+            <p:ph type="sldNum" sz="quarter" idx="10"/>
+          </p:nvPr>
+        </p:nvSpPr>
+        <p:spPr/>
+        <p:txBody>
+          <a:bodyPr/>
+          <a:lstStyle/>
+          <a:p>
+            <a:fld id="{29E6FFFA-F13A-4C0F-A707-C1F94A1398F3}" type="slidenum">
+              <a:rPr lang="en-US" smtClean="0"/>
+              <a:pPr/>
               <a:t>9</a:t>
             </a:fld>
             <a:endParaRPr lang="en-US"/>
@@ -749,7 +831,7 @@
 </p:notes>
 </file>
 
-<file path=ppt/notesSlides/notesSlide4.xml><?xml version="1.0" encoding="utf-8"?>
+<file path=ppt/notesSlides/notesSlide5.xml><?xml version="1.0" encoding="utf-8"?>
 <p:notes xmlns:a="http://schemas.openxmlformats.org/drawingml/2006/main" xmlns:r="http://schemas.openxmlformats.org/officeDocument/2006/relationships" xmlns:p="http://schemas.openxmlformats.org/presentationml/2006/main">
   <p:cSld>
     <p:spTree>
@@ -11872,12 +11954,28 @@
           <a:p>
             <a:pPr eaLnBrk="0" hangingPunct="0"/>
             <a:r>
+              <a:rPr lang="en-US" sz="2400" b="1" dirty="0" err="1" smtClean="0">
+                <a:solidFill>
+                  <a:schemeClr val="bg1"/>
+                </a:solidFill>
+              </a:rPr>
+              <a:t>Kết</a:t>
+            </a:r>
+            <a:r>
               <a:rPr lang="en-US" sz="2400" b="1" dirty="0" smtClean="0">
                 <a:solidFill>
                   <a:schemeClr val="bg1"/>
                 </a:solidFill>
               </a:rPr>
-              <a:t>Các tài liệu tham khảo</a:t>
+              <a:t> </a:t>
+            </a:r>
+            <a:r>
+              <a:rPr lang="vi-VN" sz="2400" b="1" dirty="0" smtClean="0">
+                <a:solidFill>
+                  <a:schemeClr val="bg1"/>
+                </a:solidFill>
+              </a:rPr>
+              <a:t>luận</a:t>
             </a:r>
             <a:endParaRPr lang="en-US" sz="2400" b="1" dirty="0">
               <a:solidFill>
@@ -12699,15 +12797,7 @@
                   <a:schemeClr val="bg1"/>
                 </a:solidFill>
               </a:rPr>
-              <a:t>Đánh giá</a:t>
-            </a:r>
-            <a:r>
-              <a:rPr lang="en-US" sz="2400" b="1" dirty="0" smtClean="0">
-                <a:solidFill>
-                  <a:schemeClr val="bg1"/>
-                </a:solidFill>
-              </a:rPr>
-              <a:t>,</a:t>
+              <a:t>Đánh </a:t>
             </a:r>
             <a:r>
               <a:rPr lang="vi-VN" sz="2400" b="1" dirty="0" smtClean="0">
@@ -12715,71 +12805,7 @@
                   <a:schemeClr val="bg1"/>
                 </a:solidFill>
               </a:rPr>
-              <a:t>kết luận</a:t>
-            </a:r>
-            <a:r>
-              <a:rPr lang="en-US" sz="2400" b="1" dirty="0" smtClean="0">
-                <a:solidFill>
-                  <a:schemeClr val="bg1"/>
-                </a:solidFill>
-              </a:rPr>
-              <a:t> </a:t>
-            </a:r>
-            <a:r>
-              <a:rPr lang="en-US" sz="2400" b="1" dirty="0" err="1" smtClean="0">
-                <a:solidFill>
-                  <a:schemeClr val="bg1"/>
-                </a:solidFill>
-              </a:rPr>
-              <a:t>và</a:t>
-            </a:r>
-            <a:r>
-              <a:rPr lang="en-US" sz="2400" b="1" dirty="0" smtClean="0">
-                <a:solidFill>
-                  <a:schemeClr val="bg1"/>
-                </a:solidFill>
-              </a:rPr>
-              <a:t> </a:t>
-            </a:r>
-            <a:r>
-              <a:rPr lang="en-US" sz="2400" b="1" dirty="0" err="1" smtClean="0">
-                <a:solidFill>
-                  <a:schemeClr val="bg1"/>
-                </a:solidFill>
-              </a:rPr>
-              <a:t>hướng</a:t>
-            </a:r>
-            <a:r>
-              <a:rPr lang="en-US" sz="2400" b="1" dirty="0" smtClean="0">
-                <a:solidFill>
-                  <a:schemeClr val="bg1"/>
-                </a:solidFill>
-              </a:rPr>
-              <a:t> </a:t>
-            </a:r>
-            <a:r>
-              <a:rPr lang="en-US" sz="2400" b="1" dirty="0" err="1" smtClean="0">
-                <a:solidFill>
-                  <a:schemeClr val="bg1"/>
-                </a:solidFill>
-              </a:rPr>
-              <a:t>phát</a:t>
-            </a:r>
-            <a:r>
-              <a:rPr lang="en-US" sz="2400" b="1" dirty="0" smtClean="0">
-                <a:solidFill>
-                  <a:schemeClr val="bg1"/>
-                </a:solidFill>
-              </a:rPr>
-              <a:t> </a:t>
-            </a:r>
-            <a:r>
-              <a:rPr lang="en-US" sz="2400" b="1" dirty="0" err="1" smtClean="0">
-                <a:solidFill>
-                  <a:schemeClr val="bg1"/>
-                </a:solidFill>
-              </a:rPr>
-              <a:t>triển</a:t>
+              <a:t>giá</a:t>
             </a:r>
             <a:endParaRPr lang="en-US" sz="2400" b="1" dirty="0">
               <a:solidFill>
@@ -13906,6 +13932,900 @@
           </p:txBody>
         </p:sp>
       </p:grpSp>
+      <p:sp>
+        <p:nvSpPr>
+          <p:cNvPr id="66" name="AutoShape 123"/>
+          <p:cNvSpPr>
+            <a:spLocks noChangeArrowheads="1"/>
+          </p:cNvSpPr>
+          <p:nvPr/>
+        </p:nvSpPr>
+        <p:spPr bwMode="grayWhite">
+          <a:xfrm>
+            <a:off x="1905000" y="5029200"/>
+            <a:ext cx="6172200" cy="508000"/>
+          </a:xfrm>
+          <a:prstGeom prst="roundRect">
+            <a:avLst>
+              <a:gd name="adj" fmla="val 50000"/>
+            </a:avLst>
+          </a:prstGeom>
+          <a:gradFill rotWithShape="1">
+            <a:gsLst>
+              <a:gs pos="0">
+                <a:schemeClr val="accent1">
+                  <a:gamma/>
+                  <a:tint val="0"/>
+                  <a:invGamma/>
+                </a:schemeClr>
+              </a:gs>
+              <a:gs pos="100000">
+                <a:schemeClr val="accent1"/>
+              </a:gs>
+            </a:gsLst>
+            <a:lin ang="0" scaled="1"/>
+          </a:gradFill>
+          <a:ln w="28575" algn="ctr">
+            <a:solidFill>
+              <a:schemeClr val="tx1"/>
+            </a:solidFill>
+            <a:round/>
+            <a:headEnd/>
+            <a:tailEnd/>
+          </a:ln>
+          <a:effectLst/>
+        </p:spPr>
+        <p:txBody>
+          <a:bodyPr wrap="none" anchor="ctr"/>
+          <a:lstStyle/>
+          <a:p>
+            <a:pPr eaLnBrk="0" hangingPunct="0"/>
+            <a:r>
+              <a:rPr lang="en-US" sz="2400" b="1" dirty="0" err="1" smtClean="0">
+                <a:solidFill>
+                  <a:schemeClr val="bg1"/>
+                </a:solidFill>
+              </a:rPr>
+              <a:t>Hướng</a:t>
+            </a:r>
+            <a:r>
+              <a:rPr lang="en-US" sz="2400" b="1" dirty="0" smtClean="0">
+                <a:solidFill>
+                  <a:schemeClr val="bg1"/>
+                </a:solidFill>
+              </a:rPr>
+              <a:t> </a:t>
+            </a:r>
+            <a:r>
+              <a:rPr lang="en-US" sz="2400" b="1" dirty="0" err="1" smtClean="0">
+                <a:solidFill>
+                  <a:schemeClr val="bg1"/>
+                </a:solidFill>
+              </a:rPr>
+              <a:t>phát</a:t>
+            </a:r>
+            <a:r>
+              <a:rPr lang="en-US" sz="2400" b="1" dirty="0" smtClean="0">
+                <a:solidFill>
+                  <a:schemeClr val="bg1"/>
+                </a:solidFill>
+              </a:rPr>
+              <a:t> </a:t>
+            </a:r>
+            <a:r>
+              <a:rPr lang="en-US" sz="2400" b="1" dirty="0" err="1" smtClean="0">
+                <a:solidFill>
+                  <a:schemeClr val="bg1"/>
+                </a:solidFill>
+              </a:rPr>
+              <a:t>triển</a:t>
+            </a:r>
+            <a:endParaRPr lang="en-US" sz="2400" b="1" dirty="0">
+              <a:solidFill>
+                <a:schemeClr val="bg1"/>
+              </a:solidFill>
+            </a:endParaRPr>
+          </a:p>
+        </p:txBody>
+      </p:sp>
+      <p:grpSp>
+        <p:nvGrpSpPr>
+          <p:cNvPr id="67" name="Group 140"/>
+          <p:cNvGrpSpPr>
+            <a:grpSpLocks/>
+          </p:cNvGrpSpPr>
+          <p:nvPr/>
+        </p:nvGrpSpPr>
+        <p:grpSpPr bwMode="auto">
+          <a:xfrm>
+            <a:off x="1600200" y="5105400"/>
+            <a:ext cx="381000" cy="381000"/>
+            <a:chOff x="2078" y="1680"/>
+            <a:chExt cx="1615" cy="1615"/>
+          </a:xfrm>
+        </p:grpSpPr>
+        <p:sp>
+          <p:nvSpPr>
+            <p:cNvPr id="68" name="Oval 141"/>
+            <p:cNvSpPr>
+              <a:spLocks noChangeArrowheads="1"/>
+            </p:cNvSpPr>
+            <p:nvPr/>
+          </p:nvSpPr>
+          <p:spPr bwMode="gray">
+            <a:xfrm>
+              <a:off x="2078" y="1680"/>
+              <a:ext cx="1615" cy="1615"/>
+            </a:xfrm>
+            <a:prstGeom prst="ellipse">
+              <a:avLst/>
+            </a:prstGeom>
+            <a:gradFill rotWithShape="1">
+              <a:gsLst>
+                <a:gs pos="0">
+                  <a:srgbClr val="FFFFFF">
+                    <a:gamma/>
+                    <a:shade val="46275"/>
+                    <a:invGamma/>
+                  </a:srgbClr>
+                </a:gs>
+                <a:gs pos="50000">
+                  <a:srgbClr val="FFFFFF"/>
+                </a:gs>
+                <a:gs pos="100000">
+                  <a:srgbClr val="FFFFFF">
+                    <a:gamma/>
+                    <a:shade val="46275"/>
+                    <a:invGamma/>
+                  </a:srgbClr>
+                </a:gs>
+              </a:gsLst>
+              <a:lin ang="5400000" scaled="1"/>
+            </a:gradFill>
+            <a:ln w="57150" algn="ctr">
+              <a:noFill/>
+              <a:round/>
+              <a:headEnd/>
+              <a:tailEnd/>
+            </a:ln>
+            <a:effectLst/>
+          </p:spPr>
+          <p:txBody>
+            <a:bodyPr wrap="none" anchor="ctr"/>
+            <a:lstStyle/>
+            <a:p>
+              <a:endParaRPr lang="en-US"/>
+            </a:p>
+          </p:txBody>
+        </p:sp>
+        <p:sp>
+          <p:nvSpPr>
+            <p:cNvPr id="69" name="Oval 142"/>
+            <p:cNvSpPr>
+              <a:spLocks noChangeArrowheads="1"/>
+            </p:cNvSpPr>
+            <p:nvPr/>
+          </p:nvSpPr>
+          <p:spPr bwMode="gray">
+            <a:xfrm>
+              <a:off x="2170" y="1771"/>
+              <a:ext cx="1430" cy="1430"/>
+            </a:xfrm>
+            <a:prstGeom prst="ellipse">
+              <a:avLst/>
+            </a:prstGeom>
+            <a:gradFill rotWithShape="1">
+              <a:gsLst>
+                <a:gs pos="0">
+                  <a:srgbClr val="FFFFFF">
+                    <a:gamma/>
+                    <a:shade val="63529"/>
+                    <a:invGamma/>
+                  </a:srgbClr>
+                </a:gs>
+                <a:gs pos="50000">
+                  <a:srgbClr val="FFFFFF"/>
+                </a:gs>
+                <a:gs pos="100000">
+                  <a:srgbClr val="FFFFFF">
+                    <a:gamma/>
+                    <a:shade val="63529"/>
+                    <a:invGamma/>
+                  </a:srgbClr>
+                </a:gs>
+              </a:gsLst>
+              <a:lin ang="0" scaled="1"/>
+            </a:gradFill>
+            <a:ln w="9525" algn="ctr">
+              <a:noFill/>
+              <a:round/>
+              <a:headEnd/>
+              <a:tailEnd/>
+            </a:ln>
+            <a:effectLst/>
+          </p:spPr>
+          <p:txBody>
+            <a:bodyPr wrap="none" anchor="ctr"/>
+            <a:lstStyle/>
+            <a:p>
+              <a:endParaRPr lang="en-US"/>
+            </a:p>
+          </p:txBody>
+        </p:sp>
+        <p:sp>
+          <p:nvSpPr>
+            <p:cNvPr id="70" name="Oval 143"/>
+            <p:cNvSpPr>
+              <a:spLocks noChangeArrowheads="1"/>
+            </p:cNvSpPr>
+            <p:nvPr/>
+          </p:nvSpPr>
+          <p:spPr bwMode="gray">
+            <a:xfrm>
+              <a:off x="2254" y="1856"/>
+              <a:ext cx="1262" cy="1264"/>
+            </a:xfrm>
+            <a:prstGeom prst="ellipse">
+              <a:avLst/>
+            </a:prstGeom>
+            <a:gradFill rotWithShape="1">
+              <a:gsLst>
+                <a:gs pos="0">
+                  <a:schemeClr val="hlink">
+                    <a:gamma/>
+                    <a:tint val="0"/>
+                    <a:invGamma/>
+                  </a:schemeClr>
+                </a:gs>
+                <a:gs pos="50000">
+                  <a:schemeClr val="hlink"/>
+                </a:gs>
+                <a:gs pos="100000">
+                  <a:schemeClr val="hlink">
+                    <a:gamma/>
+                    <a:tint val="0"/>
+                    <a:invGamma/>
+                  </a:schemeClr>
+                </a:gs>
+              </a:gsLst>
+              <a:lin ang="2700000" scaled="1"/>
+            </a:gradFill>
+            <a:ln w="38100" algn="ctr">
+              <a:noFill/>
+              <a:round/>
+              <a:headEnd/>
+              <a:tailEnd/>
+            </a:ln>
+            <a:effectLst/>
+          </p:spPr>
+          <p:txBody>
+            <a:bodyPr wrap="none" anchor="ctr">
+              <a:spAutoFit/>
+            </a:bodyPr>
+            <a:lstStyle/>
+            <a:p>
+              <a:endParaRPr lang="en-US"/>
+            </a:p>
+          </p:txBody>
+        </p:sp>
+        <p:sp>
+          <p:nvSpPr>
+            <p:cNvPr id="71" name="Oval 144"/>
+            <p:cNvSpPr>
+              <a:spLocks noChangeArrowheads="1"/>
+            </p:cNvSpPr>
+            <p:nvPr/>
+          </p:nvSpPr>
+          <p:spPr bwMode="gray">
+            <a:xfrm>
+              <a:off x="2254" y="1856"/>
+              <a:ext cx="1262" cy="1264"/>
+            </a:xfrm>
+            <a:prstGeom prst="ellipse">
+              <a:avLst/>
+            </a:prstGeom>
+            <a:gradFill rotWithShape="1">
+              <a:gsLst>
+                <a:gs pos="0">
+                  <a:srgbClr val="21B3E1"/>
+                </a:gs>
+                <a:gs pos="100000">
+                  <a:srgbClr val="21B3E1">
+                    <a:gamma/>
+                    <a:shade val="46275"/>
+                    <a:invGamma/>
+                  </a:srgbClr>
+                </a:gs>
+              </a:gsLst>
+              <a:lin ang="5400000" scaled="1"/>
+            </a:gradFill>
+            <a:ln w="38100" algn="ctr">
+              <a:noFill/>
+              <a:round/>
+              <a:headEnd/>
+              <a:tailEnd/>
+            </a:ln>
+            <a:effectLst/>
+          </p:spPr>
+          <p:txBody>
+            <a:bodyPr wrap="none" anchor="ctr">
+              <a:spAutoFit/>
+            </a:bodyPr>
+            <a:lstStyle/>
+            <a:p>
+              <a:endParaRPr lang="en-US"/>
+            </a:p>
+          </p:txBody>
+        </p:sp>
+        <p:sp>
+          <p:nvSpPr>
+            <p:cNvPr id="72" name="Oval 145"/>
+            <p:cNvSpPr>
+              <a:spLocks noChangeArrowheads="1"/>
+            </p:cNvSpPr>
+            <p:nvPr/>
+          </p:nvSpPr>
+          <p:spPr bwMode="gray">
+            <a:xfrm>
+              <a:off x="2337" y="1939"/>
+              <a:ext cx="1096" cy="1098"/>
+            </a:xfrm>
+            <a:prstGeom prst="ellipse">
+              <a:avLst/>
+            </a:prstGeom>
+            <a:gradFill rotWithShape="1">
+              <a:gsLst>
+                <a:gs pos="0">
+                  <a:schemeClr val="hlink">
+                    <a:gamma/>
+                    <a:shade val="54118"/>
+                    <a:invGamma/>
+                  </a:schemeClr>
+                </a:gs>
+                <a:gs pos="50000">
+                  <a:schemeClr val="hlink"/>
+                </a:gs>
+                <a:gs pos="100000">
+                  <a:schemeClr val="hlink">
+                    <a:gamma/>
+                    <a:shade val="54118"/>
+                    <a:invGamma/>
+                  </a:schemeClr>
+                </a:gs>
+              </a:gsLst>
+              <a:lin ang="18900000" scaled="1"/>
+            </a:gradFill>
+            <a:ln w="38100" algn="ctr">
+              <a:noFill/>
+              <a:round/>
+              <a:headEnd/>
+              <a:tailEnd/>
+            </a:ln>
+            <a:effectLst/>
+          </p:spPr>
+          <p:txBody>
+            <a:bodyPr anchor="ctr">
+              <a:spAutoFit/>
+            </a:bodyPr>
+            <a:lstStyle/>
+            <a:p>
+              <a:endParaRPr lang="en-US"/>
+            </a:p>
+          </p:txBody>
+        </p:sp>
+        <p:sp>
+          <p:nvSpPr>
+            <p:cNvPr id="73" name="Oval 146"/>
+            <p:cNvSpPr>
+              <a:spLocks noChangeArrowheads="1"/>
+            </p:cNvSpPr>
+            <p:nvPr/>
+          </p:nvSpPr>
+          <p:spPr bwMode="gray">
+            <a:xfrm>
+              <a:off x="2337" y="1939"/>
+              <a:ext cx="1096" cy="1098"/>
+            </a:xfrm>
+            <a:prstGeom prst="ellipse">
+              <a:avLst/>
+            </a:prstGeom>
+            <a:gradFill rotWithShape="1">
+              <a:gsLst>
+                <a:gs pos="0">
+                  <a:srgbClr val="21B3E1"/>
+                </a:gs>
+                <a:gs pos="100000">
+                  <a:srgbClr val="21B3E1">
+                    <a:gamma/>
+                    <a:shade val="48627"/>
+                    <a:invGamma/>
+                  </a:srgbClr>
+                </a:gs>
+              </a:gsLst>
+              <a:lin ang="2700000" scaled="1"/>
+            </a:gradFill>
+            <a:ln w="38100" algn="ctr">
+              <a:noFill/>
+              <a:round/>
+              <a:headEnd/>
+              <a:tailEnd/>
+            </a:ln>
+            <a:effectLst/>
+          </p:spPr>
+          <p:txBody>
+            <a:bodyPr anchor="ctr">
+              <a:spAutoFit/>
+            </a:bodyPr>
+            <a:lstStyle/>
+            <a:p>
+              <a:endParaRPr lang="en-US"/>
+            </a:p>
+          </p:txBody>
+        </p:sp>
+      </p:grpSp>
+      <p:sp>
+        <p:nvSpPr>
+          <p:cNvPr id="74" name="AutoShape 123"/>
+          <p:cNvSpPr>
+            <a:spLocks noChangeArrowheads="1"/>
+          </p:cNvSpPr>
+          <p:nvPr/>
+        </p:nvSpPr>
+        <p:spPr bwMode="grayWhite">
+          <a:xfrm>
+            <a:off x="1905000" y="5638800"/>
+            <a:ext cx="6172200" cy="508000"/>
+          </a:xfrm>
+          <a:prstGeom prst="roundRect">
+            <a:avLst>
+              <a:gd name="adj" fmla="val 50000"/>
+            </a:avLst>
+          </a:prstGeom>
+          <a:gradFill rotWithShape="1">
+            <a:gsLst>
+              <a:gs pos="0">
+                <a:schemeClr val="accent1">
+                  <a:gamma/>
+                  <a:tint val="0"/>
+                  <a:invGamma/>
+                </a:schemeClr>
+              </a:gs>
+              <a:gs pos="100000">
+                <a:schemeClr val="accent1"/>
+              </a:gs>
+            </a:gsLst>
+            <a:lin ang="0" scaled="1"/>
+          </a:gradFill>
+          <a:ln w="28575" algn="ctr">
+            <a:solidFill>
+              <a:schemeClr val="tx1"/>
+            </a:solidFill>
+            <a:round/>
+            <a:headEnd/>
+            <a:tailEnd/>
+          </a:ln>
+          <a:effectLst/>
+        </p:spPr>
+        <p:txBody>
+          <a:bodyPr wrap="none" anchor="ctr"/>
+          <a:lstStyle/>
+          <a:p>
+            <a:pPr eaLnBrk="0" hangingPunct="0"/>
+            <a:r>
+              <a:rPr lang="en-US" sz="2400" b="1" dirty="0" err="1" smtClean="0">
+                <a:solidFill>
+                  <a:schemeClr val="bg1"/>
+                </a:solidFill>
+              </a:rPr>
+              <a:t>Các</a:t>
+            </a:r>
+            <a:r>
+              <a:rPr lang="en-US" sz="2400" b="1" dirty="0" smtClean="0">
+                <a:solidFill>
+                  <a:schemeClr val="bg1"/>
+                </a:solidFill>
+              </a:rPr>
+              <a:t> </a:t>
+            </a:r>
+            <a:r>
+              <a:rPr lang="en-US" sz="2400" b="1" dirty="0" err="1" smtClean="0">
+                <a:solidFill>
+                  <a:schemeClr val="bg1"/>
+                </a:solidFill>
+              </a:rPr>
+              <a:t>tài</a:t>
+            </a:r>
+            <a:r>
+              <a:rPr lang="en-US" sz="2400" b="1" dirty="0" smtClean="0">
+                <a:solidFill>
+                  <a:schemeClr val="bg1"/>
+                </a:solidFill>
+              </a:rPr>
+              <a:t> </a:t>
+            </a:r>
+            <a:r>
+              <a:rPr lang="en-US" sz="2400" b="1" dirty="0" err="1" smtClean="0">
+                <a:solidFill>
+                  <a:schemeClr val="bg1"/>
+                </a:solidFill>
+              </a:rPr>
+              <a:t>liệu</a:t>
+            </a:r>
+            <a:r>
+              <a:rPr lang="en-US" sz="2400" b="1" dirty="0" smtClean="0">
+                <a:solidFill>
+                  <a:schemeClr val="bg1"/>
+                </a:solidFill>
+              </a:rPr>
+              <a:t> </a:t>
+            </a:r>
+            <a:r>
+              <a:rPr lang="en-US" sz="2400" b="1" dirty="0" err="1" smtClean="0">
+                <a:solidFill>
+                  <a:schemeClr val="bg1"/>
+                </a:solidFill>
+              </a:rPr>
+              <a:t>tham</a:t>
+            </a:r>
+            <a:r>
+              <a:rPr lang="en-US" sz="2400" b="1" dirty="0" smtClean="0">
+                <a:solidFill>
+                  <a:schemeClr val="bg1"/>
+                </a:solidFill>
+              </a:rPr>
+              <a:t> </a:t>
+            </a:r>
+            <a:r>
+              <a:rPr lang="en-US" sz="2400" b="1" dirty="0" err="1" smtClean="0">
+                <a:solidFill>
+                  <a:schemeClr val="bg1"/>
+                </a:solidFill>
+              </a:rPr>
+              <a:t>khảo</a:t>
+            </a:r>
+            <a:endParaRPr lang="en-US" sz="2400" b="1" dirty="0">
+              <a:solidFill>
+                <a:schemeClr val="bg1"/>
+              </a:solidFill>
+            </a:endParaRPr>
+          </a:p>
+        </p:txBody>
+      </p:sp>
+      <p:grpSp>
+        <p:nvGrpSpPr>
+          <p:cNvPr id="75" name="Group 140"/>
+          <p:cNvGrpSpPr>
+            <a:grpSpLocks/>
+          </p:cNvGrpSpPr>
+          <p:nvPr/>
+        </p:nvGrpSpPr>
+        <p:grpSpPr bwMode="auto">
+          <a:xfrm>
+            <a:off x="1600200" y="5715000"/>
+            <a:ext cx="381000" cy="381000"/>
+            <a:chOff x="2078" y="1680"/>
+            <a:chExt cx="1615" cy="1615"/>
+          </a:xfrm>
+        </p:grpSpPr>
+        <p:sp>
+          <p:nvSpPr>
+            <p:cNvPr id="76" name="Oval 141"/>
+            <p:cNvSpPr>
+              <a:spLocks noChangeArrowheads="1"/>
+            </p:cNvSpPr>
+            <p:nvPr/>
+          </p:nvSpPr>
+          <p:spPr bwMode="gray">
+            <a:xfrm>
+              <a:off x="2078" y="1680"/>
+              <a:ext cx="1615" cy="1615"/>
+            </a:xfrm>
+            <a:prstGeom prst="ellipse">
+              <a:avLst/>
+            </a:prstGeom>
+            <a:gradFill rotWithShape="1">
+              <a:gsLst>
+                <a:gs pos="0">
+                  <a:srgbClr val="FFFFFF">
+                    <a:gamma/>
+                    <a:shade val="46275"/>
+                    <a:invGamma/>
+                  </a:srgbClr>
+                </a:gs>
+                <a:gs pos="50000">
+                  <a:srgbClr val="FFFFFF"/>
+                </a:gs>
+                <a:gs pos="100000">
+                  <a:srgbClr val="FFFFFF">
+                    <a:gamma/>
+                    <a:shade val="46275"/>
+                    <a:invGamma/>
+                  </a:srgbClr>
+                </a:gs>
+              </a:gsLst>
+              <a:lin ang="5400000" scaled="1"/>
+            </a:gradFill>
+            <a:ln w="57150" algn="ctr">
+              <a:noFill/>
+              <a:round/>
+              <a:headEnd/>
+              <a:tailEnd/>
+            </a:ln>
+            <a:effectLst/>
+          </p:spPr>
+          <p:txBody>
+            <a:bodyPr wrap="none" anchor="ctr"/>
+            <a:lstStyle/>
+            <a:p>
+              <a:endParaRPr lang="en-US"/>
+            </a:p>
+          </p:txBody>
+        </p:sp>
+        <p:sp>
+          <p:nvSpPr>
+            <p:cNvPr id="77" name="Oval 142"/>
+            <p:cNvSpPr>
+              <a:spLocks noChangeArrowheads="1"/>
+            </p:cNvSpPr>
+            <p:nvPr/>
+          </p:nvSpPr>
+          <p:spPr bwMode="gray">
+            <a:xfrm>
+              <a:off x="2170" y="1771"/>
+              <a:ext cx="1430" cy="1430"/>
+            </a:xfrm>
+            <a:prstGeom prst="ellipse">
+              <a:avLst/>
+            </a:prstGeom>
+            <a:gradFill rotWithShape="1">
+              <a:gsLst>
+                <a:gs pos="0">
+                  <a:srgbClr val="FFFFFF">
+                    <a:gamma/>
+                    <a:shade val="63529"/>
+                    <a:invGamma/>
+                  </a:srgbClr>
+                </a:gs>
+                <a:gs pos="50000">
+                  <a:srgbClr val="FFFFFF"/>
+                </a:gs>
+                <a:gs pos="100000">
+                  <a:srgbClr val="FFFFFF">
+                    <a:gamma/>
+                    <a:shade val="63529"/>
+                    <a:invGamma/>
+                  </a:srgbClr>
+                </a:gs>
+              </a:gsLst>
+              <a:lin ang="0" scaled="1"/>
+            </a:gradFill>
+            <a:ln w="9525" algn="ctr">
+              <a:noFill/>
+              <a:round/>
+              <a:headEnd/>
+              <a:tailEnd/>
+            </a:ln>
+            <a:effectLst/>
+          </p:spPr>
+          <p:txBody>
+            <a:bodyPr wrap="none" anchor="ctr"/>
+            <a:lstStyle/>
+            <a:p>
+              <a:endParaRPr lang="en-US"/>
+            </a:p>
+          </p:txBody>
+        </p:sp>
+        <p:sp>
+          <p:nvSpPr>
+            <p:cNvPr id="78" name="Oval 143"/>
+            <p:cNvSpPr>
+              <a:spLocks noChangeArrowheads="1"/>
+            </p:cNvSpPr>
+            <p:nvPr/>
+          </p:nvSpPr>
+          <p:spPr bwMode="gray">
+            <a:xfrm>
+              <a:off x="2254" y="1856"/>
+              <a:ext cx="1262" cy="1264"/>
+            </a:xfrm>
+            <a:prstGeom prst="ellipse">
+              <a:avLst/>
+            </a:prstGeom>
+            <a:gradFill rotWithShape="1">
+              <a:gsLst>
+                <a:gs pos="0">
+                  <a:schemeClr val="hlink">
+                    <a:gamma/>
+                    <a:tint val="0"/>
+                    <a:invGamma/>
+                  </a:schemeClr>
+                </a:gs>
+                <a:gs pos="50000">
+                  <a:schemeClr val="hlink"/>
+                </a:gs>
+                <a:gs pos="100000">
+                  <a:schemeClr val="hlink">
+                    <a:gamma/>
+                    <a:tint val="0"/>
+                    <a:invGamma/>
+                  </a:schemeClr>
+                </a:gs>
+              </a:gsLst>
+              <a:lin ang="2700000" scaled="1"/>
+            </a:gradFill>
+            <a:ln w="38100" algn="ctr">
+              <a:noFill/>
+              <a:round/>
+              <a:headEnd/>
+              <a:tailEnd/>
+            </a:ln>
+            <a:effectLst/>
+          </p:spPr>
+          <p:txBody>
+            <a:bodyPr wrap="none" anchor="ctr">
+              <a:spAutoFit/>
+            </a:bodyPr>
+            <a:lstStyle/>
+            <a:p>
+              <a:endParaRPr lang="en-US"/>
+            </a:p>
+          </p:txBody>
+        </p:sp>
+        <p:sp>
+          <p:nvSpPr>
+            <p:cNvPr id="79" name="Oval 144"/>
+            <p:cNvSpPr>
+              <a:spLocks noChangeArrowheads="1"/>
+            </p:cNvSpPr>
+            <p:nvPr/>
+          </p:nvSpPr>
+          <p:spPr bwMode="gray">
+            <a:xfrm>
+              <a:off x="2254" y="1856"/>
+              <a:ext cx="1262" cy="1264"/>
+            </a:xfrm>
+            <a:prstGeom prst="ellipse">
+              <a:avLst/>
+            </a:prstGeom>
+            <a:gradFill rotWithShape="1">
+              <a:gsLst>
+                <a:gs pos="0">
+                  <a:srgbClr val="21B3E1"/>
+                </a:gs>
+                <a:gs pos="100000">
+                  <a:srgbClr val="21B3E1">
+                    <a:gamma/>
+                    <a:shade val="46275"/>
+                    <a:invGamma/>
+                  </a:srgbClr>
+                </a:gs>
+              </a:gsLst>
+              <a:lin ang="5400000" scaled="1"/>
+            </a:gradFill>
+            <a:ln w="38100" algn="ctr">
+              <a:noFill/>
+              <a:round/>
+              <a:headEnd/>
+              <a:tailEnd/>
+            </a:ln>
+            <a:effectLst/>
+          </p:spPr>
+          <p:txBody>
+            <a:bodyPr wrap="none" anchor="ctr">
+              <a:spAutoFit/>
+            </a:bodyPr>
+            <a:lstStyle/>
+            <a:p>
+              <a:endParaRPr lang="en-US"/>
+            </a:p>
+          </p:txBody>
+        </p:sp>
+        <p:sp>
+          <p:nvSpPr>
+            <p:cNvPr id="80" name="Oval 145"/>
+            <p:cNvSpPr>
+              <a:spLocks noChangeArrowheads="1"/>
+            </p:cNvSpPr>
+            <p:nvPr/>
+          </p:nvSpPr>
+          <p:spPr bwMode="gray">
+            <a:xfrm>
+              <a:off x="2337" y="1939"/>
+              <a:ext cx="1096" cy="1098"/>
+            </a:xfrm>
+            <a:prstGeom prst="ellipse">
+              <a:avLst/>
+            </a:prstGeom>
+            <a:gradFill rotWithShape="1">
+              <a:gsLst>
+                <a:gs pos="0">
+                  <a:schemeClr val="hlink">
+                    <a:gamma/>
+                    <a:shade val="54118"/>
+                    <a:invGamma/>
+                  </a:schemeClr>
+                </a:gs>
+                <a:gs pos="50000">
+                  <a:schemeClr val="hlink"/>
+                </a:gs>
+                <a:gs pos="100000">
+                  <a:schemeClr val="hlink">
+                    <a:gamma/>
+                    <a:shade val="54118"/>
+                    <a:invGamma/>
+                  </a:schemeClr>
+                </a:gs>
+              </a:gsLst>
+              <a:lin ang="18900000" scaled="1"/>
+            </a:gradFill>
+            <a:ln w="38100" algn="ctr">
+              <a:noFill/>
+              <a:round/>
+              <a:headEnd/>
+              <a:tailEnd/>
+            </a:ln>
+            <a:effectLst/>
+          </p:spPr>
+          <p:txBody>
+            <a:bodyPr anchor="ctr">
+              <a:spAutoFit/>
+            </a:bodyPr>
+            <a:lstStyle/>
+            <a:p>
+              <a:endParaRPr lang="en-US"/>
+            </a:p>
+          </p:txBody>
+        </p:sp>
+        <p:sp>
+          <p:nvSpPr>
+            <p:cNvPr id="81" name="Oval 146"/>
+            <p:cNvSpPr>
+              <a:spLocks noChangeArrowheads="1"/>
+            </p:cNvSpPr>
+            <p:nvPr/>
+          </p:nvSpPr>
+          <p:spPr bwMode="gray">
+            <a:xfrm>
+              <a:off x="2337" y="1939"/>
+              <a:ext cx="1096" cy="1098"/>
+            </a:xfrm>
+            <a:prstGeom prst="ellipse">
+              <a:avLst/>
+            </a:prstGeom>
+            <a:gradFill rotWithShape="1">
+              <a:gsLst>
+                <a:gs pos="0">
+                  <a:srgbClr val="21B3E1"/>
+                </a:gs>
+                <a:gs pos="100000">
+                  <a:srgbClr val="21B3E1">
+                    <a:gamma/>
+                    <a:shade val="48627"/>
+                    <a:invGamma/>
+                  </a:srgbClr>
+                </a:gs>
+              </a:gsLst>
+              <a:lin ang="2700000" scaled="1"/>
+            </a:gradFill>
+            <a:ln w="38100" algn="ctr">
+              <a:noFill/>
+              <a:round/>
+              <a:headEnd/>
+              <a:tailEnd/>
+            </a:ln>
+            <a:effectLst/>
+          </p:spPr>
+          <p:txBody>
+            <a:bodyPr anchor="ctr">
+              <a:spAutoFit/>
+            </a:bodyPr>
+            <a:lstStyle/>
+            <a:p>
+              <a:endParaRPr lang="en-US"/>
+            </a:p>
+          </p:txBody>
+        </p:sp>
+      </p:grpSp>
     </p:spTree>
   </p:cSld>
   <p:clrMapOvr>
@@ -14429,6 +15349,182 @@
                       </p:childTnLst>
                     </p:cTn>
                   </p:par>
+                  <p:par>
+                    <p:cTn id="49" fill="hold">
+                      <p:stCondLst>
+                        <p:cond delay="indefinite"/>
+                      </p:stCondLst>
+                      <p:childTnLst>
+                        <p:par>
+                          <p:cTn id="50" fill="hold">
+                            <p:stCondLst>
+                              <p:cond delay="0"/>
+                            </p:stCondLst>
+                            <p:childTnLst>
+                              <p:par>
+                                <p:cTn id="51" presetID="3" presetClass="entr" presetSubtype="10" fill="hold" grpId="0" nodeType="clickEffect">
+                                  <p:stCondLst>
+                                    <p:cond delay="0"/>
+                                  </p:stCondLst>
+                                  <p:childTnLst>
+                                    <p:set>
+                                      <p:cBhvr>
+                                        <p:cTn id="52" dur="1" fill="hold">
+                                          <p:stCondLst>
+                                            <p:cond delay="0"/>
+                                          </p:stCondLst>
+                                        </p:cTn>
+                                        <p:tgtEl>
+                                          <p:spTgt spid="66"/>
+                                        </p:tgtEl>
+                                        <p:attrNameLst>
+                                          <p:attrName>style.visibility</p:attrName>
+                                        </p:attrNameLst>
+                                      </p:cBhvr>
+                                      <p:to>
+                                        <p:strVal val="visible"/>
+                                      </p:to>
+                                    </p:set>
+                                    <p:animEffect transition="in" filter="blinds(horizontal)">
+                                      <p:cBhvr>
+                                        <p:cTn id="53" dur="500"/>
+                                        <p:tgtEl>
+                                          <p:spTgt spid="66"/>
+                                        </p:tgtEl>
+                                      </p:cBhvr>
+                                    </p:animEffect>
+                                  </p:childTnLst>
+                                </p:cTn>
+                              </p:par>
+                              <p:par>
+                                <p:cTn id="54" presetID="3" presetClass="entr" presetSubtype="10" fill="hold" nodeType="withEffect">
+                                  <p:stCondLst>
+                                    <p:cond delay="0"/>
+                                  </p:stCondLst>
+                                  <p:childTnLst>
+                                    <p:set>
+                                      <p:cBhvr>
+                                        <p:cTn id="55" dur="1" fill="hold">
+                                          <p:stCondLst>
+                                            <p:cond delay="0"/>
+                                          </p:stCondLst>
+                                        </p:cTn>
+                                        <p:tgtEl>
+                                          <p:spTgt spid="67"/>
+                                        </p:tgtEl>
+                                        <p:attrNameLst>
+                                          <p:attrName>style.visibility</p:attrName>
+                                        </p:attrNameLst>
+                                      </p:cBhvr>
+                                      <p:to>
+                                        <p:strVal val="visible"/>
+                                      </p:to>
+                                    </p:set>
+                                    <p:animEffect transition="in" filter="blinds(horizontal)">
+                                      <p:cBhvr>
+                                        <p:cTn id="56" dur="500"/>
+                                        <p:tgtEl>
+                                          <p:spTgt spid="67"/>
+                                        </p:tgtEl>
+                                      </p:cBhvr>
+                                    </p:animEffect>
+                                  </p:childTnLst>
+                                </p:cTn>
+                              </p:par>
+                            </p:childTnLst>
+                          </p:cTn>
+                        </p:par>
+                      </p:childTnLst>
+                    </p:cTn>
+                  </p:par>
+                  <p:par>
+                    <p:cTn id="57" fill="hold">
+                      <p:stCondLst>
+                        <p:cond delay="indefinite"/>
+                      </p:stCondLst>
+                      <p:childTnLst>
+                        <p:par>
+                          <p:cTn id="58" fill="hold">
+                            <p:stCondLst>
+                              <p:cond delay="0"/>
+                            </p:stCondLst>
+                            <p:childTnLst>
+                              <p:par>
+                                <p:cTn id="59" presetID="3" presetClass="entr" presetSubtype="10" fill="hold" grpId="0" nodeType="clickEffect">
+                                  <p:stCondLst>
+                                    <p:cond delay="0"/>
+                                  </p:stCondLst>
+                                  <p:childTnLst>
+                                    <p:set>
+                                      <p:cBhvr>
+                                        <p:cTn id="60" dur="1" fill="hold">
+                                          <p:stCondLst>
+                                            <p:cond delay="0"/>
+                                          </p:stCondLst>
+                                        </p:cTn>
+                                        <p:tgtEl>
+                                          <p:spTgt spid="74"/>
+                                        </p:tgtEl>
+                                        <p:attrNameLst>
+                                          <p:attrName>style.visibility</p:attrName>
+                                        </p:attrNameLst>
+                                      </p:cBhvr>
+                                      <p:to>
+                                        <p:strVal val="visible"/>
+                                      </p:to>
+                                    </p:set>
+                                    <p:animEffect transition="in" filter="blinds(horizontal)">
+                                      <p:cBhvr>
+                                        <p:cTn id="61" dur="500"/>
+                                        <p:tgtEl>
+                                          <p:spTgt spid="74"/>
+                                        </p:tgtEl>
+                                      </p:cBhvr>
+                                    </p:animEffect>
+                                  </p:childTnLst>
+                                </p:cTn>
+                              </p:par>
+                              <p:par>
+                                <p:cTn id="62" presetID="3" presetClass="entr" presetSubtype="10" fill="hold" nodeType="withEffect">
+                                  <p:stCondLst>
+                                    <p:cond delay="0"/>
+                                  </p:stCondLst>
+                                  <p:childTnLst>
+                                    <p:set>
+                                      <p:cBhvr>
+                                        <p:cTn id="63" dur="1" fill="hold">
+                                          <p:stCondLst>
+                                            <p:cond delay="0"/>
+                                          </p:stCondLst>
+                                        </p:cTn>
+                                        <p:tgtEl>
+                                          <p:spTgt spid="75"/>
+                                        </p:tgtEl>
+                                        <p:attrNameLst>
+                                          <p:attrName>style.visibility</p:attrName>
+                                        </p:attrNameLst>
+                                      </p:cBhvr>
+                                      <p:to>
+                                        <p:strVal val="visible"/>
+                                      </p:to>
+                                    </p:set>
+                                    <p:animEffect transition="in" filter="blinds(horizontal)">
+                                      <p:cBhvr>
+                                        <p:cTn id="64" dur="500"/>
+                                        <p:tgtEl>
+                                          <p:spTgt spid="75"/>
+                                        </p:tgtEl>
+                                      </p:cBhvr>
+                                    </p:animEffect>
+                                  </p:childTnLst>
+                                </p:cTn>
+                              </p:par>
+                            </p:childTnLst>
+                          </p:cTn>
+                        </p:par>
+                      </p:childTnLst>
+                    </p:cTn>
+                  </p:par>
                 </p:childTnLst>
               </p:cTn>
               <p:prevCondLst>
@@ -14457,6 +15553,8 @@
       <p:bldP spid="35" grpId="0" animBg="1"/>
       <p:bldP spid="43" grpId="0" animBg="1"/>
       <p:bldP spid="58" grpId="0" animBg="1"/>
+      <p:bldP spid="66" grpId="0" animBg="1"/>
+      <p:bldP spid="74" grpId="0" animBg="1"/>
     </p:bldLst>
   </p:timing>
 </p:sld>
@@ -14528,7 +15626,7 @@
             <a:pPr algn="just"/>
             <a:r>
               <a:rPr lang="vi-VN" sz="2200" dirty="0" smtClean="0"/>
-              <a:t>Hiện nay, việc tìm kiếm các bài báo trong các thư viện số (CiteSeerX, IEEE, ACM, ScienceDirect, SSRN, PaperCube, ...)</a:t>
+              <a:t>Hiện nay, việc tìm kiếm các bài báo trong các thư viện số (CiteSeerX, IEEE, ACM</a:t>
             </a:r>
             <a:r>
               <a:rPr lang="en-US" sz="2200" dirty="0" smtClean="0"/>
@@ -14536,325 +15634,194 @@
             </a:r>
             <a:r>
               <a:rPr lang="vi-VN" sz="2200" dirty="0" smtClean="0"/>
-              <a:t>chủ yếu vẫn dựa trên từ khóa do người dùng nhập vào.</a:t>
+              <a:t>...)</a:t>
+            </a:r>
+            <a:r>
+              <a:rPr lang="en-US" sz="2200" dirty="0" smtClean="0"/>
+              <a:t> </a:t>
+            </a:r>
+            <a:r>
+              <a:rPr lang="vi-VN" sz="2200" dirty="0" smtClean="0"/>
+              <a:t>vẫn dựa trên từ khóa do người dùng nhập vào.</a:t>
+            </a:r>
+            <a:r>
+              <a:rPr lang="en-US" sz="2200" dirty="0" smtClean="0"/>
+              <a:t> </a:t>
+            </a:r>
+            <a:r>
+              <a:rPr lang="en-US" sz="2200" dirty="0" err="1" smtClean="0"/>
+              <a:t>Kết</a:t>
+            </a:r>
+            <a:r>
+              <a:rPr lang="en-US" sz="2200" dirty="0" smtClean="0"/>
+              <a:t> </a:t>
+            </a:r>
+            <a:r>
+              <a:rPr lang="en-US" sz="2200" dirty="0" err="1" smtClean="0"/>
+              <a:t>quả</a:t>
+            </a:r>
+            <a:r>
+              <a:rPr lang="en-US" sz="2200" dirty="0" smtClean="0"/>
+              <a:t> </a:t>
+            </a:r>
+            <a:r>
+              <a:rPr lang="en-US" sz="2200" dirty="0" err="1" smtClean="0"/>
+              <a:t>trả</a:t>
+            </a:r>
+            <a:r>
+              <a:rPr lang="en-US" sz="2200" dirty="0" smtClean="0"/>
+              <a:t> </a:t>
+            </a:r>
+            <a:r>
+              <a:rPr lang="en-US" sz="2200" dirty="0" err="1" smtClean="0"/>
+              <a:t>về</a:t>
+            </a:r>
+            <a:r>
+              <a:rPr lang="en-US" sz="2200" dirty="0" smtClean="0"/>
+              <a:t> </a:t>
+            </a:r>
+            <a:r>
+              <a:rPr lang="en-US" sz="2200" dirty="0" err="1" smtClean="0"/>
+              <a:t>từ</a:t>
+            </a:r>
+            <a:r>
+              <a:rPr lang="en-US" sz="2200" dirty="0" smtClean="0"/>
+              <a:t> </a:t>
+            </a:r>
+            <a:r>
+              <a:rPr lang="en-US" sz="2200" dirty="0" err="1" smtClean="0"/>
+              <a:t>thư</a:t>
+            </a:r>
+            <a:r>
+              <a:rPr lang="en-US" sz="2200" dirty="0" smtClean="0"/>
+              <a:t> </a:t>
+            </a:r>
+            <a:r>
+              <a:rPr lang="en-US" sz="2200" dirty="0" err="1" smtClean="0"/>
+              <a:t>viện</a:t>
+            </a:r>
+            <a:r>
+              <a:rPr lang="en-US" sz="2200" dirty="0" smtClean="0"/>
+              <a:t> </a:t>
+            </a:r>
+            <a:r>
+              <a:rPr lang="vi-VN" sz="2200" dirty="0" smtClean="0"/>
+              <a:t>thường rất nhiều, </a:t>
+            </a:r>
+            <a:r>
+              <a:rPr lang="en-US" sz="2200" dirty="0" err="1" smtClean="0"/>
+              <a:t>đôi</a:t>
+            </a:r>
+            <a:r>
+              <a:rPr lang="en-US" sz="2200" dirty="0" smtClean="0"/>
+              <a:t> </a:t>
+            </a:r>
+            <a:r>
+              <a:rPr lang="en-US" sz="2200" dirty="0" err="1" smtClean="0"/>
+              <a:t>khi</a:t>
+            </a:r>
+            <a:r>
+              <a:rPr lang="en-US" sz="2200" dirty="0" smtClean="0"/>
+              <a:t> </a:t>
+            </a:r>
+            <a:r>
+              <a:rPr lang="vi-VN" sz="2200" dirty="0" smtClean="0"/>
+              <a:t>lại</a:t>
+            </a:r>
+            <a:r>
+              <a:rPr lang="en-US" sz="2200" dirty="0" smtClean="0"/>
+              <a:t> </a:t>
+            </a:r>
+            <a:r>
+              <a:rPr lang="en-US" sz="2200" dirty="0" err="1" smtClean="0"/>
+              <a:t>không</a:t>
+            </a:r>
+            <a:r>
+              <a:rPr lang="en-US" sz="2200" dirty="0" smtClean="0"/>
+              <a:t> </a:t>
+            </a:r>
+            <a:r>
+              <a:rPr lang="en-US" sz="2200" dirty="0" err="1" smtClean="0"/>
+              <a:t>phù</a:t>
+            </a:r>
+            <a:r>
+              <a:rPr lang="en-US" sz="2200" dirty="0" smtClean="0"/>
+              <a:t> </a:t>
+            </a:r>
+            <a:r>
+              <a:rPr lang="en-US" sz="2200" dirty="0" err="1" smtClean="0"/>
+              <a:t>hợp</a:t>
+            </a:r>
+            <a:r>
+              <a:rPr lang="en-US" sz="2200" dirty="0" smtClean="0"/>
+              <a:t> v</a:t>
+            </a:r>
+            <a:r>
+              <a:rPr lang="vi-VN" sz="2200" dirty="0" smtClean="0"/>
+              <a:t>ớ</a:t>
+            </a:r>
+            <a:r>
+              <a:rPr lang="en-US" sz="2200" dirty="0" err="1" smtClean="0"/>
+              <a:t>i</a:t>
+            </a:r>
+            <a:r>
+              <a:rPr lang="en-US" sz="2200" dirty="0" smtClean="0"/>
+              <a:t> </a:t>
+            </a:r>
+            <a:r>
+              <a:rPr lang="en-US" sz="2200" dirty="0" err="1" smtClean="0"/>
+              <a:t>mục</a:t>
+            </a:r>
+            <a:r>
+              <a:rPr lang="en-US" sz="2200" dirty="0" smtClean="0"/>
+              <a:t> </a:t>
+            </a:r>
+            <a:r>
+              <a:rPr lang="en-US" sz="2200" dirty="0" err="1" smtClean="0"/>
+              <a:t>đích</a:t>
+            </a:r>
+            <a:r>
+              <a:rPr lang="en-US" sz="2200" dirty="0" smtClean="0"/>
+              <a:t> </a:t>
+            </a:r>
+            <a:r>
+              <a:rPr lang="en-US" sz="2200" dirty="0" err="1" smtClean="0"/>
+              <a:t>của</a:t>
+            </a:r>
+            <a:r>
+              <a:rPr lang="en-US" sz="2200" dirty="0" smtClean="0"/>
+              <a:t> </a:t>
+            </a:r>
+            <a:r>
+              <a:rPr lang="en-US" sz="2200" dirty="0" err="1" smtClean="0"/>
+              <a:t>người</a:t>
+            </a:r>
+            <a:r>
+              <a:rPr lang="en-US" sz="2200" dirty="0" smtClean="0"/>
+              <a:t> </a:t>
+            </a:r>
+            <a:r>
+              <a:rPr lang="en-US" sz="2200" dirty="0" err="1" smtClean="0"/>
+              <a:t>dùng</a:t>
+            </a:r>
+            <a:r>
+              <a:rPr lang="en-US" sz="2200" dirty="0" smtClean="0"/>
+              <a:t>.</a:t>
             </a:r>
           </a:p>
           <a:p>
             <a:pPr algn="just"/>
             <a:r>
               <a:rPr lang="vi-VN" sz="2200" dirty="0" smtClean="0"/>
-              <a:t>C</a:t>
-            </a:r>
-            <a:r>
-              <a:rPr lang="en-US" sz="2200" dirty="0" err="1" smtClean="0"/>
-              <a:t>ác</a:t>
+              <a:t>Đề tài mong muốn xây dựng một giao diện hỏi đáp để tìm kiếm bài báo. Các</a:t>
             </a:r>
             <a:r>
               <a:rPr lang="en-US" sz="2200" dirty="0" smtClean="0"/>
-              <a:t> </a:t>
-            </a:r>
-            <a:r>
-              <a:rPr lang="en-US" sz="2200" dirty="0" err="1" smtClean="0"/>
-              <a:t>kết</a:t>
-            </a:r>
-            <a:r>
-              <a:rPr lang="en-US" sz="2200" dirty="0" smtClean="0"/>
-              <a:t> </a:t>
-            </a:r>
-            <a:r>
-              <a:rPr lang="en-US" sz="2200" dirty="0" err="1" smtClean="0"/>
-              <a:t>quả</a:t>
-            </a:r>
-            <a:r>
-              <a:rPr lang="en-US" sz="2200" dirty="0" smtClean="0"/>
-              <a:t> </a:t>
-            </a:r>
-            <a:r>
-              <a:rPr lang="en-US" sz="2200" dirty="0" err="1" smtClean="0"/>
-              <a:t>trả</a:t>
-            </a:r>
-            <a:r>
-              <a:rPr lang="en-US" sz="2200" dirty="0" smtClean="0"/>
-              <a:t> </a:t>
-            </a:r>
-            <a:r>
-              <a:rPr lang="en-US" sz="2200" dirty="0" err="1" smtClean="0"/>
-              <a:t>về</a:t>
-            </a:r>
-            <a:r>
-              <a:rPr lang="en-US" sz="2200" dirty="0" smtClean="0"/>
-              <a:t> </a:t>
-            </a:r>
-            <a:r>
-              <a:rPr lang="en-US" sz="2200" dirty="0" err="1" smtClean="0"/>
-              <a:t>từ</a:t>
-            </a:r>
-            <a:r>
-              <a:rPr lang="en-US" sz="2200" dirty="0" smtClean="0"/>
-              <a:t> </a:t>
-            </a:r>
-            <a:r>
-              <a:rPr lang="en-US" sz="2200" dirty="0" err="1" smtClean="0"/>
-              <a:t>thư</a:t>
-            </a:r>
-            <a:r>
-              <a:rPr lang="en-US" sz="2200" dirty="0" smtClean="0"/>
-              <a:t> </a:t>
-            </a:r>
-            <a:r>
-              <a:rPr lang="en-US" sz="2200" dirty="0" err="1" smtClean="0"/>
-              <a:t>viện</a:t>
-            </a:r>
-            <a:r>
-              <a:rPr lang="en-US" sz="2200" dirty="0" smtClean="0"/>
-              <a:t> </a:t>
+              <a:t>h</a:t>
             </a:r>
             <a:r>
               <a:rPr lang="vi-VN" sz="2200" dirty="0" smtClean="0"/>
-              <a:t>thường rất nhiều, </a:t>
-            </a:r>
-            <a:r>
-              <a:rPr lang="en-US" sz="2200" dirty="0" err="1" smtClean="0"/>
-              <a:t>đôi</a:t>
-            </a:r>
-            <a:r>
-              <a:rPr lang="en-US" sz="2200" dirty="0" smtClean="0"/>
-              <a:t> </a:t>
-            </a:r>
-            <a:r>
-              <a:rPr lang="en-US" sz="2200" dirty="0" err="1" smtClean="0"/>
-              <a:t>khi</a:t>
-            </a:r>
-            <a:r>
-              <a:rPr lang="en-US" sz="2200" dirty="0" smtClean="0"/>
-              <a:t> </a:t>
-            </a:r>
-            <a:r>
-              <a:rPr lang="vi-VN" sz="2200" dirty="0" smtClean="0"/>
-              <a:t>lại</a:t>
-            </a:r>
-            <a:r>
-              <a:rPr lang="en-US" sz="2200" dirty="0" smtClean="0"/>
-              <a:t> </a:t>
-            </a:r>
-            <a:r>
-              <a:rPr lang="en-US" sz="2200" dirty="0" err="1" smtClean="0"/>
-              <a:t>không</a:t>
-            </a:r>
-            <a:r>
-              <a:rPr lang="en-US" sz="2200" dirty="0" smtClean="0"/>
-              <a:t> </a:t>
-            </a:r>
-            <a:r>
-              <a:rPr lang="en-US" sz="2200" dirty="0" err="1" smtClean="0"/>
-              <a:t>phù</a:t>
-            </a:r>
-            <a:r>
-              <a:rPr lang="en-US" sz="2200" dirty="0" smtClean="0"/>
-              <a:t> </a:t>
-            </a:r>
-            <a:r>
-              <a:rPr lang="en-US" sz="2200" dirty="0" err="1" smtClean="0"/>
-              <a:t>hợp</a:t>
-            </a:r>
-            <a:r>
-              <a:rPr lang="en-US" sz="2200" dirty="0" smtClean="0"/>
-              <a:t> v</a:t>
-            </a:r>
-            <a:r>
-              <a:rPr lang="vi-VN" sz="2200" dirty="0" smtClean="0"/>
-              <a:t>ớ</a:t>
-            </a:r>
-            <a:r>
-              <a:rPr lang="en-US" sz="2200" dirty="0" err="1" smtClean="0"/>
-              <a:t>i</a:t>
-            </a:r>
-            <a:r>
-              <a:rPr lang="en-US" sz="2200" dirty="0" smtClean="0"/>
-              <a:t> </a:t>
-            </a:r>
-            <a:r>
-              <a:rPr lang="en-US" sz="2200" dirty="0" err="1" smtClean="0"/>
-              <a:t>mục</a:t>
-            </a:r>
-            <a:r>
-              <a:rPr lang="en-US" sz="2200" dirty="0" smtClean="0"/>
-              <a:t> </a:t>
-            </a:r>
-            <a:r>
-              <a:rPr lang="en-US" sz="2200" dirty="0" err="1" smtClean="0"/>
-              <a:t>đích</a:t>
-            </a:r>
-            <a:r>
-              <a:rPr lang="en-US" sz="2200" dirty="0" smtClean="0"/>
-              <a:t> </a:t>
-            </a:r>
-            <a:r>
-              <a:rPr lang="en-US" sz="2200" dirty="0" err="1" smtClean="0"/>
-              <a:t>của</a:t>
-            </a:r>
-            <a:r>
-              <a:rPr lang="en-US" sz="2200" dirty="0" smtClean="0"/>
-              <a:t> </a:t>
-            </a:r>
-            <a:r>
-              <a:rPr lang="en-US" sz="2200" dirty="0" err="1" smtClean="0"/>
-              <a:t>người</a:t>
-            </a:r>
-            <a:r>
-              <a:rPr lang="en-US" sz="2200" dirty="0" smtClean="0"/>
-              <a:t> </a:t>
-            </a:r>
-            <a:r>
-              <a:rPr lang="en-US" sz="2200" dirty="0" err="1" smtClean="0"/>
-              <a:t>dùng</a:t>
-            </a:r>
-            <a:r>
-              <a:rPr lang="en-US" sz="2200" dirty="0" smtClean="0"/>
-              <a:t>. </a:t>
-            </a:r>
-            <a:r>
-              <a:rPr lang="vi-VN" sz="2200" dirty="0" smtClean="0"/>
-              <a:t>Đ</a:t>
-            </a:r>
-            <a:r>
-              <a:rPr lang="en-US" sz="2200" dirty="0" smtClean="0"/>
-              <a:t>ể </a:t>
-            </a:r>
-            <a:r>
-              <a:rPr lang="en-US" sz="2200" dirty="0" err="1" smtClean="0"/>
-              <a:t>có</a:t>
-            </a:r>
-            <a:r>
-              <a:rPr lang="en-US" sz="2200" dirty="0" smtClean="0"/>
-              <a:t> </a:t>
-            </a:r>
-            <a:r>
-              <a:rPr lang="en-US" sz="2200" dirty="0" err="1" smtClean="0"/>
-              <a:t>được</a:t>
-            </a:r>
-            <a:r>
-              <a:rPr lang="en-US" sz="2200" dirty="0" smtClean="0"/>
-              <a:t> </a:t>
-            </a:r>
-            <a:r>
-              <a:rPr lang="en-US" sz="2200" dirty="0" err="1" smtClean="0"/>
-              <a:t>thông</a:t>
-            </a:r>
-            <a:r>
-              <a:rPr lang="en-US" sz="2200" dirty="0" smtClean="0"/>
-              <a:t> tin </a:t>
-            </a:r>
-            <a:r>
-              <a:rPr lang="en-US" sz="2200" dirty="0" err="1" smtClean="0"/>
-              <a:t>chính</a:t>
-            </a:r>
-            <a:r>
-              <a:rPr lang="en-US" sz="2200" dirty="0" smtClean="0"/>
-              <a:t> </a:t>
-            </a:r>
-            <a:r>
-              <a:rPr lang="en-US" sz="2200" dirty="0" err="1" smtClean="0"/>
-              <a:t>xác</a:t>
-            </a:r>
-            <a:r>
-              <a:rPr lang="en-US" sz="2200" dirty="0" smtClean="0"/>
-              <a:t> </a:t>
-            </a:r>
-            <a:r>
-              <a:rPr lang="en-US" sz="2200" dirty="0" err="1" smtClean="0"/>
-              <a:t>nhất</a:t>
-            </a:r>
-            <a:r>
-              <a:rPr lang="en-US" sz="2200" dirty="0" smtClean="0"/>
-              <a:t>, </a:t>
-            </a:r>
-            <a:r>
-              <a:rPr lang="en-US" sz="2200" dirty="0" err="1" smtClean="0"/>
-              <a:t>người</a:t>
-            </a:r>
-            <a:r>
-              <a:rPr lang="en-US" sz="2200" dirty="0" smtClean="0"/>
-              <a:t> </a:t>
-            </a:r>
-            <a:r>
-              <a:rPr lang="en-US" sz="2200" dirty="0" err="1" smtClean="0"/>
-              <a:t>dùng</a:t>
-            </a:r>
-            <a:r>
-              <a:rPr lang="en-US" sz="2200" dirty="0" smtClean="0"/>
-              <a:t> </a:t>
-            </a:r>
-            <a:r>
-              <a:rPr lang="en-US" sz="2200" dirty="0" err="1" smtClean="0"/>
-              <a:t>cần</a:t>
-            </a:r>
-            <a:r>
-              <a:rPr lang="en-US" sz="2200" dirty="0" smtClean="0"/>
-              <a:t> </a:t>
-            </a:r>
-            <a:r>
-              <a:rPr lang="en-US" sz="2200" dirty="0" err="1" smtClean="0"/>
-              <a:t>tốn</a:t>
-            </a:r>
-            <a:r>
-              <a:rPr lang="en-US" sz="2200" dirty="0" smtClean="0"/>
-              <a:t> </a:t>
-            </a:r>
-            <a:r>
-              <a:rPr lang="en-US" sz="2200" dirty="0" err="1" smtClean="0"/>
-              <a:t>thời</a:t>
-            </a:r>
-            <a:r>
-              <a:rPr lang="en-US" sz="2200" dirty="0" smtClean="0"/>
-              <a:t> </a:t>
-            </a:r>
-            <a:r>
-              <a:rPr lang="en-US" sz="2200" dirty="0" err="1" smtClean="0"/>
-              <a:t>gian</a:t>
-            </a:r>
-            <a:r>
-              <a:rPr lang="en-US" sz="2200" dirty="0" smtClean="0"/>
-              <a:t> </a:t>
-            </a:r>
-            <a:r>
-              <a:rPr lang="en-US" sz="2200" dirty="0" err="1" smtClean="0"/>
-              <a:t>để</a:t>
-            </a:r>
-            <a:r>
-              <a:rPr lang="en-US" sz="2200" dirty="0" smtClean="0"/>
-              <a:t> </a:t>
-            </a:r>
-            <a:r>
-              <a:rPr lang="en-US" sz="2200" dirty="0" err="1" smtClean="0"/>
-              <a:t>duyệt</a:t>
-            </a:r>
-            <a:r>
-              <a:rPr lang="vi-VN" sz="2200" dirty="0" smtClean="0"/>
-              <a:t> tìm.</a:t>
-            </a:r>
-            <a:endParaRPr lang="en-US" sz="2200" dirty="0" smtClean="0"/>
-          </a:p>
-          <a:p>
-            <a:pPr algn="just"/>
-            <a:r>
-              <a:rPr lang="vi-VN" sz="2200" dirty="0" smtClean="0"/>
-              <a:t>Đã có một số nghiên cứu về hệ thống hỏi đáp </a:t>
-            </a:r>
-            <a:r>
-              <a:rPr lang="en-US" sz="2200" dirty="0" smtClean="0"/>
-              <a:t>[3,4,6</a:t>
-            </a:r>
-            <a:r>
-              <a:rPr lang="vi-VN" sz="2200" dirty="0" smtClean="0"/>
-              <a:t>] nhằm phục vụ tốt hơn cho vấn đề tìm kiếm.</a:t>
-            </a:r>
-          </a:p>
-          <a:p>
-            <a:pPr algn="just"/>
-            <a:r>
-              <a:rPr lang="vi-VN" sz="2200" dirty="0" smtClean="0"/>
-              <a:t>Đề tài mong muốn xây dựng một giao diện hỏi đáp để tìm kiếm bài báo. Các thức hỏi đáp có thể sẽ giúp tìm kiếm bài báo chính xác hơn</a:t>
+              <a:t> thức hỏi đáp có thể sẽ giúp tìm kiếm bài báo chính xác hơn</a:t>
             </a:r>
             <a:r>
               <a:rPr lang="en-US" sz="2200" dirty="0" smtClean="0"/>
@@ -15062,212 +16029,6 @@
                                           <p:spTgt spid="3">
                                             <p:txEl>
                                               <p:pRg st="1" end="1"/>
-                                            </p:txEl>
-                                          </p:spTgt>
-                                        </p:tgtEl>
-                                        <p:attrNameLst>
-                                          <p:attrName>ppt_y</p:attrName>
-                                        </p:attrNameLst>
-                                      </p:cBhvr>
-                                      <p:tavLst>
-                                        <p:tav tm="0">
-                                          <p:val>
-                                            <p:strVal val="1+#ppt_h/2"/>
-                                          </p:val>
-                                        </p:tav>
-                                        <p:tav tm="100000">
-                                          <p:val>
-                                            <p:strVal val="#ppt_y"/>
-                                          </p:val>
-                                        </p:tav>
-                                      </p:tavLst>
-                                    </p:anim>
-                                  </p:childTnLst>
-                                </p:cTn>
-                              </p:par>
-                            </p:childTnLst>
-                          </p:cTn>
-                        </p:par>
-                      </p:childTnLst>
-                    </p:cTn>
-                  </p:par>
-                  <p:par>
-                    <p:cTn id="15" fill="hold">
-                      <p:stCondLst>
-                        <p:cond delay="indefinite"/>
-                      </p:stCondLst>
-                      <p:childTnLst>
-                        <p:par>
-                          <p:cTn id="16" fill="hold">
-                            <p:stCondLst>
-                              <p:cond delay="0"/>
-                            </p:stCondLst>
-                            <p:childTnLst>
-                              <p:par>
-                                <p:cTn id="17" presetID="2" presetClass="entr" presetSubtype="4" fill="hold" nodeType="clickEffect">
-                                  <p:stCondLst>
-                                    <p:cond delay="0"/>
-                                  </p:stCondLst>
-                                  <p:childTnLst>
-                                    <p:set>
-                                      <p:cBhvr>
-                                        <p:cTn id="18" dur="1" fill="hold">
-                                          <p:stCondLst>
-                                            <p:cond delay="0"/>
-                                          </p:stCondLst>
-                                        </p:cTn>
-                                        <p:tgtEl>
-                                          <p:spTgt spid="3">
-                                            <p:txEl>
-                                              <p:pRg st="2" end="2"/>
-                                            </p:txEl>
-                                          </p:spTgt>
-                                        </p:tgtEl>
-                                        <p:attrNameLst>
-                                          <p:attrName>style.visibility</p:attrName>
-                                        </p:attrNameLst>
-                                      </p:cBhvr>
-                                      <p:to>
-                                        <p:strVal val="visible"/>
-                                      </p:to>
-                                    </p:set>
-                                    <p:anim calcmode="lin" valueType="num">
-                                      <p:cBhvr additive="base">
-                                        <p:cTn id="19" dur="500" fill="hold"/>
-                                        <p:tgtEl>
-                                          <p:spTgt spid="3">
-                                            <p:txEl>
-                                              <p:pRg st="2" end="2"/>
-                                            </p:txEl>
-                                          </p:spTgt>
-                                        </p:tgtEl>
-                                        <p:attrNameLst>
-                                          <p:attrName>ppt_x</p:attrName>
-                                        </p:attrNameLst>
-                                      </p:cBhvr>
-                                      <p:tavLst>
-                                        <p:tav tm="0">
-                                          <p:val>
-                                            <p:strVal val="#ppt_x"/>
-                                          </p:val>
-                                        </p:tav>
-                                        <p:tav tm="100000">
-                                          <p:val>
-                                            <p:strVal val="#ppt_x"/>
-                                          </p:val>
-                                        </p:tav>
-                                      </p:tavLst>
-                                    </p:anim>
-                                    <p:anim calcmode="lin" valueType="num">
-                                      <p:cBhvr additive="base">
-                                        <p:cTn id="20" dur="500" fill="hold"/>
-                                        <p:tgtEl>
-                                          <p:spTgt spid="3">
-                                            <p:txEl>
-                                              <p:pRg st="2" end="2"/>
-                                            </p:txEl>
-                                          </p:spTgt>
-                                        </p:tgtEl>
-                                        <p:attrNameLst>
-                                          <p:attrName>ppt_y</p:attrName>
-                                        </p:attrNameLst>
-                                      </p:cBhvr>
-                                      <p:tavLst>
-                                        <p:tav tm="0">
-                                          <p:val>
-                                            <p:strVal val="1+#ppt_h/2"/>
-                                          </p:val>
-                                        </p:tav>
-                                        <p:tav tm="100000">
-                                          <p:val>
-                                            <p:strVal val="#ppt_y"/>
-                                          </p:val>
-                                        </p:tav>
-                                      </p:tavLst>
-                                    </p:anim>
-                                  </p:childTnLst>
-                                </p:cTn>
-                              </p:par>
-                            </p:childTnLst>
-                          </p:cTn>
-                        </p:par>
-                      </p:childTnLst>
-                    </p:cTn>
-                  </p:par>
-                  <p:par>
-                    <p:cTn id="21" fill="hold">
-                      <p:stCondLst>
-                        <p:cond delay="indefinite"/>
-                      </p:stCondLst>
-                      <p:childTnLst>
-                        <p:par>
-                          <p:cTn id="22" fill="hold">
-                            <p:stCondLst>
-                              <p:cond delay="0"/>
-                            </p:stCondLst>
-                            <p:childTnLst>
-                              <p:par>
-                                <p:cTn id="23" presetID="2" presetClass="entr" presetSubtype="4" fill="hold" nodeType="clickEffect">
-                                  <p:stCondLst>
-                                    <p:cond delay="0"/>
-                                  </p:stCondLst>
-                                  <p:childTnLst>
-                                    <p:set>
-                                      <p:cBhvr>
-                                        <p:cTn id="24" dur="1" fill="hold">
-                                          <p:stCondLst>
-                                            <p:cond delay="0"/>
-                                          </p:stCondLst>
-                                        </p:cTn>
-                                        <p:tgtEl>
-                                          <p:spTgt spid="3">
-                                            <p:txEl>
-                                              <p:pRg st="3" end="3"/>
-                                            </p:txEl>
-                                          </p:spTgt>
-                                        </p:tgtEl>
-                                        <p:attrNameLst>
-                                          <p:attrName>style.visibility</p:attrName>
-                                        </p:attrNameLst>
-                                      </p:cBhvr>
-                                      <p:to>
-                                        <p:strVal val="visible"/>
-                                      </p:to>
-                                    </p:set>
-                                    <p:anim calcmode="lin" valueType="num">
-                                      <p:cBhvr additive="base">
-                                        <p:cTn id="25" dur="500" fill="hold"/>
-                                        <p:tgtEl>
-                                          <p:spTgt spid="3">
-                                            <p:txEl>
-                                              <p:pRg st="3" end="3"/>
-                                            </p:txEl>
-                                          </p:spTgt>
-                                        </p:tgtEl>
-                                        <p:attrNameLst>
-                                          <p:attrName>ppt_x</p:attrName>
-                                        </p:attrNameLst>
-                                      </p:cBhvr>
-                                      <p:tavLst>
-                                        <p:tav tm="0">
-                                          <p:val>
-                                            <p:strVal val="#ppt_x"/>
-                                          </p:val>
-                                        </p:tav>
-                                        <p:tav tm="100000">
-                                          <p:val>
-                                            <p:strVal val="#ppt_x"/>
-                                          </p:val>
-                                        </p:tav>
-                                      </p:tavLst>
-                                    </p:anim>
-                                    <p:anim calcmode="lin" valueType="num">
-                                      <p:cBhvr additive="base">
-                                        <p:cTn id="26" dur="500" fill="hold"/>
-                                        <p:tgtEl>
-                                          <p:spTgt spid="3">
-                                            <p:txEl>
-                                              <p:pRg st="3" end="3"/>
                                             </p:txEl>
                                           </p:spTgt>
                                         </p:tgtEl>
@@ -21865,39 +22626,6 @@
           </p:txBody>
         </p:sp>
       </p:grpSp>
-      <p:pic>
-        <p:nvPicPr>
-          <p:cNvPr id="4098" name="Picture 2"/>
-          <p:cNvPicPr>
-            <a:picLocks noChangeAspect="1" noChangeArrowheads="1"/>
-          </p:cNvPicPr>
-          <p:nvPr/>
-        </p:nvPicPr>
-        <p:blipFill>
-          <a:blip r:embed="rId4"/>
-          <a:srcRect/>
-          <a:stretch>
-            <a:fillRect/>
-          </a:stretch>
-        </p:blipFill>
-        <p:spPr bwMode="auto">
-          <a:xfrm>
-            <a:off x="5130818" y="838200"/>
-            <a:ext cx="4013182" cy="228599"/>
-          </a:xfrm>
-          <a:prstGeom prst="rect">
-            <a:avLst/>
-          </a:prstGeom>
-          <a:noFill/>
-          <a:ln w="9525">
-            <a:noFill/>
-            <a:miter lim="800000"/>
-            <a:headEnd/>
-            <a:tailEnd/>
-          </a:ln>
-          <a:effectLst/>
-        </p:spPr>
-      </p:pic>
       <p:sp>
         <p:nvSpPr>
           <p:cNvPr id="54" name="Left-Right Arrow 53"/>
@@ -22364,7 +23092,7 @@
                                           </p:stCondLst>
                                         </p:cTn>
                                         <p:tgtEl>
-                                          <p:spTgt spid="11"/>
+                                          <p:spTgt spid="54"/>
                                         </p:tgtEl>
                                         <p:attrNameLst>
                                           <p:attrName>style.visibility</p:attrName>
@@ -22378,6 +23106,59 @@
                                       <p:cBhvr>
                                         <p:cTn id="42" dur="500"/>
                                         <p:tgtEl>
+                                          <p:spTgt spid="54"/>
+                                        </p:tgtEl>
+                                      </p:cBhvr>
+                                    </p:animEffect>
+                                  </p:childTnLst>
+                                </p:cTn>
+                              </p:par>
+                            </p:childTnLst>
+                          </p:cTn>
+                        </p:par>
+                      </p:childTnLst>
+                    </p:cTn>
+                  </p:par>
+                  <p:par>
+                    <p:cTn id="43" fill="hold">
+                      <p:stCondLst>
+                        <p:cond delay="indefinite"/>
+                      </p:stCondLst>
+                      <p:childTnLst>
+                        <p:par>
+                          <p:cTn id="44" fill="hold">
+                            <p:stCondLst>
+                              <p:cond delay="0"/>
+                            </p:stCondLst>
+                            <p:childTnLst>
+                              <p:par>
+                                <p:cTn id="45" presetID="3" presetClass="entr" presetSubtype="10" fill="hold" grpId="0" nodeType="clickEffect">
+                                  <p:stCondLst>
+                                    <p:cond delay="0"/>
+                                  </p:stCondLst>
+                                  <p:childTnLst>
+                                    <p:set>
+                                      <p:cBhvr>
+                                        <p:cTn id="46" dur="1" fill="hold">
+                                          <p:stCondLst>
+                                            <p:cond delay="0"/>
+                                          </p:stCondLst>
+                                        </p:cTn>
+                                        <p:tgtEl>
+                                          <p:spTgt spid="11"/>
+                                        </p:tgtEl>
+                                        <p:attrNameLst>
+                                          <p:attrName>style.visibility</p:attrName>
+                                        </p:attrNameLst>
+                                      </p:cBhvr>
+                                      <p:to>
+                                        <p:strVal val="visible"/>
+                                      </p:to>
+                                    </p:set>
+                                    <p:animEffect transition="in" filter="blinds(horizontal)">
+                                      <p:cBhvr>
+                                        <p:cTn id="47" dur="500"/>
+                                        <p:tgtEl>
                                           <p:spTgt spid="11"/>
                                         </p:tgtEl>
                                       </p:cBhvr>
@@ -22386,14 +23167,14 @@
                                 </p:cTn>
                               </p:par>
                               <p:par>
-                                <p:cTn id="43" presetID="3" presetClass="entr" presetSubtype="10" fill="hold" nodeType="withEffect">
+                                <p:cTn id="48" presetID="3" presetClass="entr" presetSubtype="10" fill="hold" nodeType="withEffect">
                                   <p:stCondLst>
                                     <p:cond delay="0"/>
                                   </p:stCondLst>
                                   <p:childTnLst>
                                     <p:set>
                                       <p:cBhvr>
-                                        <p:cTn id="44" dur="1" fill="hold">
+                                        <p:cTn id="49" dur="1" fill="hold">
                                           <p:stCondLst>
                                             <p:cond delay="0"/>
                                           </p:stCondLst>
@@ -22411,7 +23192,7 @@
                                     </p:set>
                                     <p:animEffect transition="in" filter="blinds(horizontal)">
                                       <p:cBhvr>
-                                        <p:cTn id="45" dur="500"/>
+                                        <p:cTn id="50" dur="500"/>
                                         <p:tgtEl>
                                           <p:spTgt spid="42"/>
                                         </p:tgtEl>
@@ -22421,14 +23202,14 @@
                                 </p:cTn>
                               </p:par>
                               <p:par>
-                                <p:cTn id="46" presetID="3" presetClass="entr" presetSubtype="10" fill="hold" nodeType="withEffect">
+                                <p:cTn id="51" presetID="3" presetClass="entr" presetSubtype="10" fill="hold" nodeType="withEffect">
                                   <p:stCondLst>
                                     <p:cond delay="0"/>
                                   </p:stCondLst>
                                   <p:childTnLst>
                                     <p:set>
                                       <p:cBhvr>
-                                        <p:cTn id="47" dur="1" fill="hold">
+                                        <p:cTn id="52" dur="1" fill="hold">
                                           <p:stCondLst>
                                             <p:cond delay="0"/>
                                           </p:stCondLst>
@@ -22446,7 +23227,7 @@
                                     </p:set>
                                     <p:animEffect transition="in" filter="blinds(horizontal)">
                                       <p:cBhvr>
-                                        <p:cTn id="48" dur="500"/>
+                                        <p:cTn id="53" dur="500"/>
                                         <p:tgtEl>
                                           <p:spTgt spid="51"/>
                                         </p:tgtEl>
@@ -22462,26 +23243,26 @@
                     </p:cTn>
                   </p:par>
                   <p:par>
-                    <p:cTn id="49" fill="hold">
+                    <p:cTn id="54" fill="hold">
                       <p:stCondLst>
                         <p:cond delay="indefinite"/>
                       </p:stCondLst>
                       <p:childTnLst>
                         <p:par>
-                          <p:cTn id="50" fill="hold">
+                          <p:cTn id="55" fill="hold">
                             <p:stCondLst>
                               <p:cond delay="0"/>
                             </p:stCondLst>
                             <p:childTnLst>
                               <p:par>
-                                <p:cTn id="51" presetID="3" presetClass="entr" presetSubtype="10" fill="hold" nodeType="clickEffect">
+                                <p:cTn id="56" presetID="3" presetClass="entr" presetSubtype="10" fill="hold" nodeType="clickEffect">
                                   <p:stCondLst>
                                     <p:cond delay="0"/>
                                   </p:stCondLst>
                                   <p:childTnLst>
                                     <p:set>
                                       <p:cBhvr>
-                                        <p:cTn id="52" dur="1" fill="hold">
+                                        <p:cTn id="57" dur="1" fill="hold">
                                           <p:stCondLst>
                                             <p:cond delay="0"/>
                                           </p:stCondLst>
@@ -22499,7 +23280,7 @@
                                     </p:set>
                                     <p:animEffect transition="in" filter="blinds(horizontal)">
                                       <p:cBhvr>
-                                        <p:cTn id="53" dur="500"/>
+                                        <p:cTn id="58" dur="500"/>
                                         <p:tgtEl>
                                           <p:spTgt spid="12"/>
                                         </p:tgtEl>
@@ -22509,14 +23290,14 @@
                                 </p:cTn>
                               </p:par>
                               <p:par>
-                                <p:cTn id="54" presetID="3" presetClass="entr" presetSubtype="10" fill="hold" nodeType="withEffect">
+                                <p:cTn id="59" presetID="3" presetClass="entr" presetSubtype="10" fill="hold" nodeType="withEffect">
                                   <p:stCondLst>
                                     <p:cond delay="0"/>
                                   </p:stCondLst>
                                   <p:childTnLst>
                                     <p:set>
                                       <p:cBhvr>
-                                        <p:cTn id="55" dur="1" fill="hold">
+                                        <p:cTn id="60" dur="1" fill="hold">
                                           <p:stCondLst>
                                             <p:cond delay="0"/>
                                           </p:stCondLst>
@@ -22534,7 +23315,7 @@
                                     </p:set>
                                     <p:animEffect transition="in" filter="blinds(horizontal)">
                                       <p:cBhvr>
-                                        <p:cTn id="56" dur="500"/>
+                                        <p:cTn id="61" dur="500"/>
                                         <p:tgtEl>
                                           <p:spTgt spid="18"/>
                                         </p:tgtEl>
@@ -22544,14 +23325,14 @@
                                 </p:cTn>
                               </p:par>
                               <p:par>
-                                <p:cTn id="57" presetID="3" presetClass="entr" presetSubtype="10" fill="hold" nodeType="withEffect">
+                                <p:cTn id="62" presetID="3" presetClass="entr" presetSubtype="10" fill="hold" nodeType="withEffect">
                                   <p:stCondLst>
                                     <p:cond delay="0"/>
                                   </p:stCondLst>
                                   <p:childTnLst>
                                     <p:set>
                                       <p:cBhvr>
-                                        <p:cTn id="58" dur="1" fill="hold">
+                                        <p:cTn id="63" dur="1" fill="hold">
                                           <p:stCondLst>
                                             <p:cond delay="0"/>
                                           </p:stCondLst>
@@ -22569,7 +23350,7 @@
                                     </p:set>
                                     <p:animEffect transition="in" filter="blinds(horizontal)">
                                       <p:cBhvr>
-                                        <p:cTn id="59" dur="500"/>
+                                        <p:cTn id="64" dur="500"/>
                                         <p:tgtEl>
                                           <p:spTgt spid="15"/>
                                         </p:tgtEl>
@@ -22579,14 +23360,14 @@
                                 </p:cTn>
                               </p:par>
                               <p:par>
-                                <p:cTn id="60" presetID="3" presetClass="entr" presetSubtype="10" fill="hold" nodeType="withEffect">
+                                <p:cTn id="65" presetID="3" presetClass="entr" presetSubtype="10" fill="hold" nodeType="withEffect">
                                   <p:stCondLst>
                                     <p:cond delay="0"/>
                                   </p:stCondLst>
                                   <p:childTnLst>
                                     <p:set>
                                       <p:cBhvr>
-                                        <p:cTn id="61" dur="1" fill="hold">
+                                        <p:cTn id="66" dur="1" fill="hold">
                                           <p:stCondLst>
                                             <p:cond delay="0"/>
                                           </p:stCondLst>
@@ -22604,207 +23385,9 @@
                                     </p:set>
                                     <p:animEffect transition="in" filter="blinds(horizontal)">
                                       <p:cBhvr>
-                                        <p:cTn id="62" dur="500"/>
+                                        <p:cTn id="67" dur="500"/>
                                         <p:tgtEl>
                                           <p:spTgt spid="21"/>
-                                        </p:tgtEl>
-                                      </p:cBhvr>
-                                    </p:animEffect>
-                                  </p:childTnLst>
-                                </p:cTn>
-                              </p:par>
-                            </p:childTnLst>
-                          </p:cTn>
-                        </p:par>
-                      </p:childTnLst>
-                    </p:cTn>
-                  </p:par>
-                  <p:par>
-                    <p:cTn id="63" fill="hold">
-                      <p:stCondLst>
-                        <p:cond delay="indefinite"/>
-                      </p:stCondLst>
-                      <p:childTnLst>
-                        <p:par>
-                          <p:cTn id="64" fill="hold">
-                            <p:stCondLst>
-                              <p:cond delay="0"/>
-                            </p:stCondLst>
-                            <p:childTnLst>
-                              <p:par>
-                                <p:cTn id="65" presetID="3" presetClass="entr" presetSubtype="10" fill="hold" nodeType="clickEffect">
-                                  <p:stCondLst>
-                                    <p:cond delay="0"/>
-                                  </p:stCondLst>
-                                  <p:childTnLst>
-                                    <p:set>
-                                      <p:cBhvr>
-                                        <p:cTn id="66" dur="1" fill="hold">
-                                          <p:stCondLst>
-                                            <p:cond delay="0"/>
-                                          </p:stCondLst>
-                                        </p:cTn>
-                                        <p:tgtEl>
-                                          <p:spTgt spid="4098"/>
-                                        </p:tgtEl>
-                                        <p:attrNameLst>
-                                          <p:attrName>style.visibility</p:attrName>
-                                        </p:attrNameLst>
-                                      </p:cBhvr>
-                                      <p:to>
-                                        <p:strVal val="visible"/>
-                                      </p:to>
-                                    </p:set>
-                                    <p:animEffect transition="in" filter="blinds(horizontal)">
-                                      <p:cBhvr>
-                                        <p:cTn id="67" dur="500"/>
-                                        <p:tgtEl>
-                                          <p:spTgt spid="4098"/>
-                                        </p:tgtEl>
-                                      </p:cBhvr>
-                                    </p:animEffect>
-                                  </p:childTnLst>
-                                </p:cTn>
-                              </p:par>
-                            </p:childTnLst>
-                          </p:cTn>
-                        </p:par>
-                      </p:childTnLst>
-                    </p:cTn>
-                  </p:par>
-                  <p:par>
-                    <p:cTn id="68" fill="hold">
-                      <p:stCondLst>
-                        <p:cond delay="indefinite"/>
-                      </p:stCondLst>
-                      <p:childTnLst>
-                        <p:par>
-                          <p:cTn id="69" fill="hold">
-                            <p:stCondLst>
-                              <p:cond delay="0"/>
-                            </p:stCondLst>
-                            <p:childTnLst>
-                              <p:par>
-                                <p:cTn id="70" presetID="0" presetClass="path" presetSubtype="0" accel="50000" decel="50000" fill="hold" nodeType="clickEffect">
-                                  <p:stCondLst>
-                                    <p:cond delay="0"/>
-                                  </p:stCondLst>
-                                  <p:childTnLst>
-                                    <p:animMotion origin="layout" path="M -0.08056 0.02037 C -0.09688 0.03912 -0.1132 0.0581 -0.14445 0.06481 C -0.1757 0.07153 -0.2474 0.0618 -0.26806 0.06111 " pathEditMode="relative" ptsTypes="aaA">
-                                      <p:cBhvr>
-                                        <p:cTn id="71" dur="2000" fill="hold"/>
-                                        <p:tgtEl>
-                                          <p:spTgt spid="4098"/>
-                                        </p:tgtEl>
-                                        <p:attrNameLst>
-                                          <p:attrName>ppt_x</p:attrName>
-                                          <p:attrName>ppt_y</p:attrName>
-                                        </p:attrNameLst>
-                                      </p:cBhvr>
-                                    </p:animMotion>
-                                  </p:childTnLst>
-                                </p:cTn>
-                              </p:par>
-                            </p:childTnLst>
-                          </p:cTn>
-                        </p:par>
-                      </p:childTnLst>
-                    </p:cTn>
-                  </p:par>
-                  <p:par>
-                    <p:cTn id="72" fill="hold">
-                      <p:stCondLst>
-                        <p:cond delay="indefinite"/>
-                      </p:stCondLst>
-                      <p:childTnLst>
-                        <p:par>
-                          <p:cTn id="73" fill="hold">
-                            <p:stCondLst>
-                              <p:cond delay="0"/>
-                            </p:stCondLst>
-                            <p:childTnLst>
-                              <p:par>
-                                <p:cTn id="74" presetID="3" presetClass="exit" presetSubtype="10" fill="hold" nodeType="clickEffect">
-                                  <p:stCondLst>
-                                    <p:cond delay="0"/>
-                                  </p:stCondLst>
-                                  <p:childTnLst>
-                                    <p:animEffect transition="out" filter="blinds(horizontal)">
-                                      <p:cBhvr>
-                                        <p:cTn id="75" dur="500"/>
-                                        <p:tgtEl>
-                                          <p:spTgt spid="4098"/>
-                                        </p:tgtEl>
-                                      </p:cBhvr>
-                                    </p:animEffect>
-                                    <p:set>
-                                      <p:cBhvr>
-                                        <p:cTn id="76" dur="1" fill="hold">
-                                          <p:stCondLst>
-                                            <p:cond delay="499"/>
-                                          </p:stCondLst>
-                                        </p:cTn>
-                                        <p:tgtEl>
-                                          <p:spTgt spid="4098"/>
-                                        </p:tgtEl>
-                                        <p:attrNameLst>
-                                          <p:attrName>style.visibility</p:attrName>
-                                        </p:attrNameLst>
-                                      </p:cBhvr>
-                                      <p:to>
-                                        <p:strVal val="hidden"/>
-                                      </p:to>
-                                    </p:set>
-                                  </p:childTnLst>
-                                </p:cTn>
-                              </p:par>
-                            </p:childTnLst>
-                          </p:cTn>
-                        </p:par>
-                      </p:childTnLst>
-                    </p:cTn>
-                  </p:par>
-                  <p:par>
-                    <p:cTn id="77" fill="hold">
-                      <p:stCondLst>
-                        <p:cond delay="indefinite"/>
-                      </p:stCondLst>
-                      <p:childTnLst>
-                        <p:par>
-                          <p:cTn id="78" fill="hold">
-                            <p:stCondLst>
-                              <p:cond delay="0"/>
-                            </p:stCondLst>
-                            <p:childTnLst>
-                              <p:par>
-                                <p:cTn id="79" presetID="3" presetClass="entr" presetSubtype="10" fill="hold" grpId="0" nodeType="clickEffect">
-                                  <p:stCondLst>
-                                    <p:cond delay="0"/>
-                                  </p:stCondLst>
-                                  <p:childTnLst>
-                                    <p:set>
-                                      <p:cBhvr>
-                                        <p:cTn id="80" dur="1" fill="hold">
-                                          <p:stCondLst>
-                                            <p:cond delay="0"/>
-                                          </p:stCondLst>
-                                        </p:cTn>
-                                        <p:tgtEl>
-                                          <p:spTgt spid="54"/>
-                                        </p:tgtEl>
-                                        <p:attrNameLst>
-                                          <p:attrName>style.visibility</p:attrName>
-                                        </p:attrNameLst>
-                                      </p:cBhvr>
-                                      <p:to>
-                                        <p:strVal val="visible"/>
-                                      </p:to>
-                                    </p:set>
-                                    <p:animEffect transition="in" filter="blinds(horizontal)">
-                                      <p:cBhvr>
-                                        <p:cTn id="81" dur="500"/>
-                                        <p:tgtEl>
-                                          <p:spTgt spid="54"/>
                                         </p:tgtEl>
                                       </p:cBhvr>
                                     </p:animEffect>
